--- a/Proposal/storyboard_v1.pptx
+++ b/Proposal/storyboard_v1.pptx
@@ -214,7 +214,7 @@
           <a:p>
             <a:fld id="{F968314A-93D6-47E9-99D3-B9175625CCBE}" type="datetimeFigureOut">
               <a:rPr lang="en-US" smtClean="0"/>
-              <a:t>19-Aug-18</a:t>
+              <a:t>02-Sep-18</a:t>
             </a:fld>
             <a:endParaRPr lang="en-US"/>
           </a:p>
@@ -701,7 +701,7 @@
           <a:p>
             <a:fld id="{B4F27B5C-FF7A-4AD4-AE57-DBCD8BD2D9A5}" type="datetimeFigureOut">
               <a:rPr lang="en-US" smtClean="0"/>
-              <a:t>19-Aug-18</a:t>
+              <a:t>02-Sep-18</a:t>
             </a:fld>
             <a:endParaRPr lang="en-US"/>
           </a:p>
@@ -871,7 +871,7 @@
           <a:p>
             <a:fld id="{B4F27B5C-FF7A-4AD4-AE57-DBCD8BD2D9A5}" type="datetimeFigureOut">
               <a:rPr lang="en-US" smtClean="0"/>
-              <a:t>19-Aug-18</a:t>
+              <a:t>02-Sep-18</a:t>
             </a:fld>
             <a:endParaRPr lang="en-US"/>
           </a:p>
@@ -1051,7 +1051,7 @@
           <a:p>
             <a:fld id="{B4F27B5C-FF7A-4AD4-AE57-DBCD8BD2D9A5}" type="datetimeFigureOut">
               <a:rPr lang="en-US" smtClean="0"/>
-              <a:t>19-Aug-18</a:t>
+              <a:t>02-Sep-18</a:t>
             </a:fld>
             <a:endParaRPr lang="en-US"/>
           </a:p>
@@ -1221,7 +1221,7 @@
           <a:p>
             <a:fld id="{B4F27B5C-FF7A-4AD4-AE57-DBCD8BD2D9A5}" type="datetimeFigureOut">
               <a:rPr lang="en-US" smtClean="0"/>
-              <a:t>19-Aug-18</a:t>
+              <a:t>02-Sep-18</a:t>
             </a:fld>
             <a:endParaRPr lang="en-US"/>
           </a:p>
@@ -1465,7 +1465,7 @@
           <a:p>
             <a:fld id="{B4F27B5C-FF7A-4AD4-AE57-DBCD8BD2D9A5}" type="datetimeFigureOut">
               <a:rPr lang="en-US" smtClean="0"/>
-              <a:t>19-Aug-18</a:t>
+              <a:t>02-Sep-18</a:t>
             </a:fld>
             <a:endParaRPr lang="en-US"/>
           </a:p>
@@ -1697,7 +1697,7 @@
           <a:p>
             <a:fld id="{B4F27B5C-FF7A-4AD4-AE57-DBCD8BD2D9A5}" type="datetimeFigureOut">
               <a:rPr lang="en-US" smtClean="0"/>
-              <a:t>19-Aug-18</a:t>
+              <a:t>02-Sep-18</a:t>
             </a:fld>
             <a:endParaRPr lang="en-US"/>
           </a:p>
@@ -2064,7 +2064,7 @@
           <a:p>
             <a:fld id="{B4F27B5C-FF7A-4AD4-AE57-DBCD8BD2D9A5}" type="datetimeFigureOut">
               <a:rPr lang="en-US" smtClean="0"/>
-              <a:t>19-Aug-18</a:t>
+              <a:t>02-Sep-18</a:t>
             </a:fld>
             <a:endParaRPr lang="en-US"/>
           </a:p>
@@ -2182,7 +2182,7 @@
           <a:p>
             <a:fld id="{B4F27B5C-FF7A-4AD4-AE57-DBCD8BD2D9A5}" type="datetimeFigureOut">
               <a:rPr lang="en-US" smtClean="0"/>
-              <a:t>19-Aug-18</a:t>
+              <a:t>02-Sep-18</a:t>
             </a:fld>
             <a:endParaRPr lang="en-US"/>
           </a:p>
@@ -2277,7 +2277,7 @@
           <a:p>
             <a:fld id="{B4F27B5C-FF7A-4AD4-AE57-DBCD8BD2D9A5}" type="datetimeFigureOut">
               <a:rPr lang="en-US" smtClean="0"/>
-              <a:t>19-Aug-18</a:t>
+              <a:t>02-Sep-18</a:t>
             </a:fld>
             <a:endParaRPr lang="en-US"/>
           </a:p>
@@ -2554,7 +2554,7 @@
           <a:p>
             <a:fld id="{B4F27B5C-FF7A-4AD4-AE57-DBCD8BD2D9A5}" type="datetimeFigureOut">
               <a:rPr lang="en-US" smtClean="0"/>
-              <a:t>19-Aug-18</a:t>
+              <a:t>02-Sep-18</a:t>
             </a:fld>
             <a:endParaRPr lang="en-US"/>
           </a:p>
@@ -2811,7 +2811,7 @@
           <a:p>
             <a:fld id="{B4F27B5C-FF7A-4AD4-AE57-DBCD8BD2D9A5}" type="datetimeFigureOut">
               <a:rPr lang="en-US" smtClean="0"/>
-              <a:t>19-Aug-18</a:t>
+              <a:t>02-Sep-18</a:t>
             </a:fld>
             <a:endParaRPr lang="en-US"/>
           </a:p>
@@ -3024,7 +3024,7 @@
           <a:p>
             <a:fld id="{B4F27B5C-FF7A-4AD4-AE57-DBCD8BD2D9A5}" type="datetimeFigureOut">
               <a:rPr lang="en-US" smtClean="0"/>
-              <a:t>19-Aug-18</a:t>
+              <a:t>02-Sep-18</a:t>
             </a:fld>
             <a:endParaRPr lang="en-US"/>
           </a:p>
@@ -4324,8 +4324,8 @@
           </p:nvSpPr>
           <p:spPr>
             <a:xfrm>
-              <a:off x="2572755" y="7134705"/>
-              <a:ext cx="553919" cy="230999"/>
+              <a:off x="2418049" y="7134705"/>
+              <a:ext cx="744185" cy="230999"/>
             </a:xfrm>
             <a:prstGeom prst="borderCallout2">
               <a:avLst>
@@ -4333,8 +4333,8 @@
                 <a:gd name="adj2" fmla="val -574"/>
                 <a:gd name="adj3" fmla="val 18750"/>
                 <a:gd name="adj4" fmla="val -16667"/>
-                <a:gd name="adj5" fmla="val 266329"/>
-                <a:gd name="adj6" fmla="val -213848"/>
+                <a:gd name="adj5" fmla="val 261931"/>
+                <a:gd name="adj6" fmla="val -140807"/>
               </a:avLst>
             </a:prstGeom>
             <a:noFill/>
@@ -4383,8 +4383,8 @@
           </p:nvSpPr>
           <p:spPr>
             <a:xfrm>
-              <a:off x="2300809" y="7685100"/>
-              <a:ext cx="825866" cy="230999"/>
+              <a:off x="2232632" y="7688383"/>
+              <a:ext cx="1029767" cy="230999"/>
             </a:xfrm>
             <a:prstGeom prst="borderCallout2">
               <a:avLst>
@@ -4560,8 +4560,8 @@
           </p:nvSpPr>
           <p:spPr>
             <a:xfrm>
-              <a:off x="2572756" y="7104094"/>
-              <a:ext cx="542136" cy="261610"/>
+              <a:off x="2375425" y="7107751"/>
+              <a:ext cx="857927" cy="261610"/>
             </a:xfrm>
             <a:prstGeom prst="rect">
               <a:avLst/>
@@ -4578,7 +4578,7 @@
                 <a:rPr lang="en-US" sz="1100" dirty="0">
                   <a:latin typeface="Comic Sans MS" panose="030F0702030302020204" pitchFamily="66" charset="0"/>
                 </a:rPr>
-                <a:t>stock</a:t>
+                <a:t>ingredient</a:t>
               </a:r>
             </a:p>
           </p:txBody>
@@ -4597,8 +4597,8 @@
           </p:nvSpPr>
           <p:spPr>
             <a:xfrm>
-              <a:off x="2310950" y="7659335"/>
-              <a:ext cx="822661" cy="261610"/>
+              <a:off x="2192123" y="7657772"/>
+              <a:ext cx="1138453" cy="261610"/>
             </a:xfrm>
             <a:prstGeom prst="rect">
               <a:avLst/>
@@ -4615,7 +4615,7 @@
                 <a:rPr lang="en-US" sz="1100" dirty="0">
                   <a:latin typeface="Comic Sans MS" panose="030F0702030302020204" pitchFamily="66" charset="0"/>
                 </a:rPr>
-                <a:t>add stock</a:t>
+                <a:t>add ingredient</a:t>
               </a:r>
             </a:p>
           </p:txBody>
@@ -4708,10 +4708,10 @@
           </p:nvGrpSpPr>
           <p:grpSpPr>
             <a:xfrm>
-              <a:off x="3126674" y="5977531"/>
-              <a:ext cx="3103682" cy="3648568"/>
-              <a:chOff x="2958076" y="534924"/>
-              <a:chExt cx="3103682" cy="3648568"/>
+              <a:off x="3162234" y="5977531"/>
+              <a:ext cx="3068122" cy="3648568"/>
+              <a:chOff x="2993636" y="534924"/>
+              <a:chExt cx="3068122" cy="3648568"/>
             </a:xfrm>
           </p:grpSpPr>
           <p:sp>
@@ -5239,8 +5239,8 @@
             </p:nvCxnSpPr>
             <p:spPr>
               <a:xfrm>
-                <a:off x="3082290" y="2361275"/>
-                <a:ext cx="1278171" cy="1539513"/>
+                <a:off x="3179514" y="2345970"/>
+                <a:ext cx="1180947" cy="1554818"/>
               </a:xfrm>
               <a:prstGeom prst="line">
                 <a:avLst/>
@@ -5283,8 +5283,8 @@
             </p:nvCxnSpPr>
             <p:spPr>
               <a:xfrm flipH="1">
-                <a:off x="2958076" y="1807598"/>
-                <a:ext cx="124216" cy="0"/>
+                <a:off x="2993636" y="1807598"/>
+                <a:ext cx="88654" cy="0"/>
               </a:xfrm>
               <a:prstGeom prst="line">
                 <a:avLst/>
@@ -5321,14 +5321,15 @@
               </p:cNvPr>
               <p:cNvCxnSpPr>
                 <a:cxnSpLocks/>
-                <a:endCxn id="128" idx="0"/>
+                <a:stCxn id="134" idx="3"/>
+                <a:endCxn id="134" idx="3"/>
               </p:cNvCxnSpPr>
               <p:nvPr/>
             </p:nvCxnSpPr>
             <p:spPr>
-              <a:xfrm flipH="1">
-                <a:off x="2958077" y="2357993"/>
-                <a:ext cx="124213" cy="0"/>
+              <a:xfrm>
+                <a:off x="3161978" y="2345970"/>
+                <a:ext cx="0" cy="0"/>
               </a:xfrm>
               <a:prstGeom prst="line">
                 <a:avLst/>
@@ -5468,8 +5469,8 @@
           </p:nvSpPr>
           <p:spPr>
             <a:xfrm>
-              <a:off x="2152278" y="6961478"/>
-              <a:ext cx="1383092" cy="215444"/>
+              <a:off x="2050888" y="6951147"/>
+              <a:ext cx="1548945" cy="215444"/>
             </a:xfrm>
             <a:prstGeom prst="rect">
               <a:avLst/>
@@ -5484,7 +5485,7 @@
             <a:p>
               <a:r>
                 <a:rPr lang="en-US" sz="800" dirty="0"/>
-                <a:t>Press to back to stock page</a:t>
+                <a:t>Press to go to ingredient page</a:t>
               </a:r>
               <a:endParaRPr lang="th-TH" sz="800" dirty="0"/>
             </a:p>
@@ -5504,8 +5505,8 @@
           </p:nvSpPr>
           <p:spPr>
             <a:xfrm>
-              <a:off x="1970625" y="7518849"/>
-              <a:ext cx="1574169" cy="215444"/>
+              <a:off x="1943955" y="7518849"/>
+              <a:ext cx="1843183" cy="215444"/>
             </a:xfrm>
             <a:prstGeom prst="rect">
               <a:avLst/>
@@ -5520,7 +5521,7 @@
             <a:p>
               <a:r>
                 <a:rPr lang="en-US" sz="800" dirty="0"/>
-                <a:t>Press to back to add stock page</a:t>
+                <a:t>Press to go to add ingredient page</a:t>
               </a:r>
               <a:endParaRPr lang="th-TH" sz="800" dirty="0"/>
             </a:p>
@@ -5556,7 +5557,7 @@
             <a:p>
               <a:r>
                 <a:rPr lang="en-US" sz="800" dirty="0"/>
-                <a:t>Press to back to recipe page</a:t>
+                <a:t>Press to go to recipe page</a:t>
               </a:r>
               <a:endParaRPr lang="th-TH" sz="800" dirty="0"/>
             </a:p>
@@ -5592,7 +5593,7 @@
             <a:p>
               <a:r>
                 <a:rPr lang="en-US" sz="800" dirty="0"/>
-                <a:t>Press to back to add recipe page</a:t>
+                <a:t>Press to go to add recipe page</a:t>
               </a:r>
               <a:endParaRPr lang="th-TH" sz="800" dirty="0"/>
             </a:p>
@@ -19857,8 +19858,8 @@
         </p:nvSpPr>
         <p:spPr>
           <a:xfrm>
-            <a:off x="2673505" y="319619"/>
-            <a:ext cx="650162" cy="230832"/>
+            <a:off x="2673504" y="319619"/>
+            <a:ext cx="798763" cy="230832"/>
           </a:xfrm>
           <a:prstGeom prst="rect">
             <a:avLst/>
@@ -19891,7 +19892,7 @@
             <a:pPr algn="ctr"/>
             <a:r>
               <a:rPr lang="en-US" sz="900" dirty="0"/>
-              <a:t>Stock</a:t>
+              <a:t>Ingredient</a:t>
             </a:r>
           </a:p>
         </p:txBody>
@@ -19962,8 +19963,8 @@
         </p:nvSpPr>
         <p:spPr>
           <a:xfrm>
-            <a:off x="2515490" y="5287245"/>
-            <a:ext cx="650162" cy="230832"/>
+            <a:off x="2356126" y="5292040"/>
+            <a:ext cx="910246" cy="230832"/>
           </a:xfrm>
           <a:prstGeom prst="rect">
             <a:avLst/>
@@ -19995,11 +19996,99 @@
           <a:p>
             <a:r>
               <a:rPr lang="en-US" sz="900" dirty="0"/>
-              <a:t>Add stock</a:t>
+              <a:t>Add ingredient</a:t>
             </a:r>
           </a:p>
         </p:txBody>
       </p:sp>
+      <p:cxnSp>
+        <p:nvCxnSpPr>
+          <p:cNvPr id="462" name="Straight Connector 461">
+            <a:extLst>
+              <a:ext uri="{FF2B5EF4-FFF2-40B4-BE49-F238E27FC236}">
+                <a16:creationId xmlns:a16="http://schemas.microsoft.com/office/drawing/2014/main" id="{B9971A87-B3FE-42A6-8BE0-546B0415D2AF}"/>
+              </a:ext>
+            </a:extLst>
+          </p:cNvPr>
+          <p:cNvCxnSpPr>
+            <a:cxnSpLocks/>
+            <a:stCxn id="134" idx="3"/>
+            <a:endCxn id="134" idx="3"/>
+          </p:cNvCxnSpPr>
+          <p:nvPr/>
+        </p:nvCxnSpPr>
+        <p:spPr>
+          <a:xfrm>
+            <a:off x="3330576" y="7864777"/>
+            <a:ext cx="0" cy="0"/>
+          </a:xfrm>
+          <a:prstGeom prst="line">
+            <a:avLst/>
+          </a:prstGeom>
+          <a:ln w="3175">
+            <a:solidFill>
+              <a:schemeClr val="tx1"/>
+            </a:solidFill>
+          </a:ln>
+        </p:spPr>
+        <p:style>
+          <a:lnRef idx="1">
+            <a:schemeClr val="accent1"/>
+          </a:lnRef>
+          <a:fillRef idx="0">
+            <a:schemeClr val="accent1"/>
+          </a:fillRef>
+          <a:effectRef idx="0">
+            <a:schemeClr val="accent1"/>
+          </a:effectRef>
+          <a:fontRef idx="minor">
+            <a:schemeClr val="tx1"/>
+          </a:fontRef>
+        </p:style>
+      </p:cxnSp>
+      <p:cxnSp>
+        <p:nvCxnSpPr>
+          <p:cNvPr id="548" name="Straight Connector 547">
+            <a:extLst>
+              <a:ext uri="{FF2B5EF4-FFF2-40B4-BE49-F238E27FC236}">
+                <a16:creationId xmlns:a16="http://schemas.microsoft.com/office/drawing/2014/main" id="{187E45E8-E70B-4490-BF08-629BFE47B04C}"/>
+              </a:ext>
+            </a:extLst>
+          </p:cNvPr>
+          <p:cNvCxnSpPr>
+            <a:cxnSpLocks/>
+          </p:cNvCxnSpPr>
+          <p:nvPr/>
+        </p:nvCxnSpPr>
+        <p:spPr>
+          <a:xfrm flipH="1">
+            <a:off x="3262399" y="7864777"/>
+            <a:ext cx="88654" cy="0"/>
+          </a:xfrm>
+          <a:prstGeom prst="line">
+            <a:avLst/>
+          </a:prstGeom>
+          <a:ln w="3175">
+            <a:solidFill>
+              <a:schemeClr val="tx1"/>
+            </a:solidFill>
+          </a:ln>
+        </p:spPr>
+        <p:style>
+          <a:lnRef idx="1">
+            <a:schemeClr val="accent1"/>
+          </a:lnRef>
+          <a:fillRef idx="0">
+            <a:schemeClr val="accent1"/>
+          </a:fillRef>
+          <a:effectRef idx="0">
+            <a:schemeClr val="accent1"/>
+          </a:effectRef>
+          <a:fontRef idx="minor">
+            <a:schemeClr val="tx1"/>
+          </a:fontRef>
+        </p:style>
+      </p:cxnSp>
     </p:spTree>
     <p:extLst>
       <p:ext uri="{BB962C8B-B14F-4D97-AF65-F5344CB8AC3E}">
@@ -20102,8 +20191,8 @@
         </p:nvSpPr>
         <p:spPr>
           <a:xfrm>
-            <a:off x="1065355" y="8805530"/>
-            <a:ext cx="1099981" cy="369332"/>
+            <a:off x="839231" y="8812408"/>
+            <a:ext cx="1577355" cy="369332"/>
           </a:xfrm>
           <a:prstGeom prst="rect">
             <a:avLst/>
@@ -20136,7 +20225,7 @@
           <a:p>
             <a:r>
               <a:rPr lang="en-US" dirty="0"/>
-              <a:t>Add stock</a:t>
+              <a:t>Add ingredient</a:t>
             </a:r>
           </a:p>
         </p:txBody>
@@ -20670,8 +20759,8 @@
             </p:nvSpPr>
             <p:spPr>
               <a:xfrm>
-                <a:off x="4222795" y="779981"/>
-                <a:ext cx="872445" cy="276999"/>
+                <a:off x="4094345" y="781243"/>
+                <a:ext cx="1291332" cy="261610"/>
               </a:xfrm>
               <a:prstGeom prst="rect">
                 <a:avLst/>
@@ -20685,10 +20774,10 @@
               <a:lstStyle/>
               <a:p>
                 <a:r>
-                  <a:rPr lang="en-US" sz="1200" dirty="0">
+                  <a:rPr lang="en-US" sz="1100" dirty="0">
                     <a:latin typeface="Comic Sans MS" panose="030F0702030302020204" pitchFamily="66" charset="0"/>
                   </a:rPr>
-                  <a:t>add stock</a:t>
+                  <a:t>add ingredient</a:t>
                 </a:r>
               </a:p>
             </p:txBody>
@@ -21685,7 +21774,7 @@
           <p:spPr>
             <a:xfrm>
               <a:off x="3192857" y="96655"/>
-              <a:ext cx="955711" cy="215444"/>
+              <a:ext cx="1168910" cy="215444"/>
             </a:xfrm>
             <a:prstGeom prst="rect">
               <a:avLst/>
@@ -21700,7 +21789,7 @@
             <a:p>
               <a:r>
                 <a:rPr lang="en-US" sz="800" dirty="0"/>
-                <a:t>back to stock page</a:t>
+                <a:t>back to ingredient page</a:t>
               </a:r>
             </a:p>
           </p:txBody>
@@ -22682,7 +22771,7 @@
           <p:spPr>
             <a:xfrm>
               <a:off x="4894264" y="3697626"/>
-              <a:ext cx="1391728" cy="215444"/>
+              <a:ext cx="1604927" cy="215444"/>
             </a:xfrm>
             <a:prstGeom prst="rect">
               <a:avLst/>
@@ -22697,7 +22786,7 @@
             <a:p>
               <a:r>
                 <a:rPr lang="en-US" sz="800" dirty="0"/>
-                <a:t>save and add list to the stock</a:t>
+                <a:t>save and add list to the ingredient</a:t>
               </a:r>
             </a:p>
           </p:txBody>
@@ -24601,8 +24690,8 @@
         </p:nvSpPr>
         <p:spPr>
           <a:xfrm>
-            <a:off x="720869" y="554554"/>
-            <a:ext cx="688971" cy="369332"/>
+            <a:off x="562711" y="559426"/>
+            <a:ext cx="1152560" cy="369332"/>
           </a:xfrm>
           <a:prstGeom prst="rect">
             <a:avLst/>
@@ -24635,7 +24724,7 @@
           <a:p>
             <a:r>
               <a:rPr lang="en-US" dirty="0"/>
-              <a:t>Stock</a:t>
+              <a:t>Ingredient</a:t>
             </a:r>
           </a:p>
         </p:txBody>
@@ -29467,8 +29556,8 @@
         </p:nvSpPr>
         <p:spPr>
           <a:xfrm>
-            <a:off x="3810145" y="3877589"/>
-            <a:ext cx="809837" cy="338554"/>
+            <a:off x="3818731" y="3713651"/>
+            <a:ext cx="822921" cy="461665"/>
           </a:xfrm>
           <a:prstGeom prst="rect">
             <a:avLst/>
@@ -29476,7 +29565,7 @@
           <a:noFill/>
         </p:spPr>
         <p:txBody>
-          <a:bodyPr wrap="none" rtlCol="0">
+          <a:bodyPr wrap="square" rtlCol="0">
             <a:spAutoFit/>
           </a:bodyPr>
           <a:lstStyle/>
@@ -29489,7 +29578,7 @@
           <a:p>
             <a:r>
               <a:rPr lang="en-US" sz="800" dirty="0"/>
-              <a:t>add stock page</a:t>
+              <a:t>add ingredient page</a:t>
             </a:r>
           </a:p>
         </p:txBody>
@@ -29508,8 +29597,8 @@
         </p:nvSpPr>
         <p:spPr>
           <a:xfrm>
-            <a:off x="2537648" y="1292918"/>
-            <a:ext cx="653737" cy="307777"/>
+            <a:off x="2398617" y="1404226"/>
+            <a:ext cx="933220" cy="276999"/>
           </a:xfrm>
           <a:prstGeom prst="rect">
             <a:avLst/>
@@ -29523,10 +29612,10 @@
           <a:lstStyle/>
           <a:p>
             <a:r>
-              <a:rPr lang="en-US" sz="1400" dirty="0">
+              <a:rPr lang="en-US" sz="1200" dirty="0">
                 <a:latin typeface="Comic Sans MS" panose="030F0702030302020204" pitchFamily="66" charset="0"/>
               </a:rPr>
-              <a:t>stock</a:t>
+              <a:t>ingredient</a:t>
             </a:r>
           </a:p>
         </p:txBody>
@@ -31213,8 +31302,8 @@
         </p:nvSpPr>
         <p:spPr>
           <a:xfrm>
-            <a:off x="5407444" y="708636"/>
-            <a:ext cx="729687" cy="215444"/>
+            <a:off x="5407444" y="696444"/>
+            <a:ext cx="942887" cy="215444"/>
           </a:xfrm>
           <a:prstGeom prst="rect">
             <a:avLst/>
@@ -31229,7 +31318,7 @@
           <a:p>
             <a:r>
               <a:rPr lang="en-US" sz="800" dirty="0"/>
-              <a:t>back to stock</a:t>
+              <a:t>back to ingredient</a:t>
             </a:r>
           </a:p>
         </p:txBody>
@@ -39025,43 +39114,6 @@
           </a:p>
         </p:txBody>
       </p:sp>
-      <p:sp>
-        <p:nvSpPr>
-          <p:cNvPr id="292" name="TextBox 291">
-            <a:extLst>
-              <a:ext uri="{FF2B5EF4-FFF2-40B4-BE49-F238E27FC236}">
-                <a16:creationId xmlns:a16="http://schemas.microsoft.com/office/drawing/2014/main" id="{E2C168AA-9156-459E-B25B-B357BC287145}"/>
-              </a:ext>
-            </a:extLst>
-          </p:cNvPr>
-          <p:cNvSpPr txBox="1"/>
-          <p:nvPr/>
-        </p:nvSpPr>
-        <p:spPr>
-          <a:xfrm>
-            <a:off x="3954106" y="3193356"/>
-            <a:ext cx="486683" cy="246221"/>
-          </a:xfrm>
-          <a:prstGeom prst="rect">
-            <a:avLst/>
-          </a:prstGeom>
-          <a:noFill/>
-        </p:spPr>
-        <p:txBody>
-          <a:bodyPr wrap="square" rtlCol="0">
-            <a:spAutoFit/>
-          </a:bodyPr>
-          <a:lstStyle/>
-          <a:p>
-            <a:r>
-              <a:rPr lang="en-US" sz="1000" dirty="0">
-                <a:latin typeface="Comic Sans MS" panose="030F0702030302020204" pitchFamily="66" charset="0"/>
-              </a:rPr>
-              <a:t>done</a:t>
-            </a:r>
-          </a:p>
-        </p:txBody>
-      </p:sp>
       <p:cxnSp>
         <p:nvCxnSpPr>
           <p:cNvPr id="302" name="Straight Connector 301">
@@ -42341,8 +42393,8 @@
           </p:nvCxnSpPr>
           <p:spPr>
             <a:xfrm>
-              <a:off x="4346592" y="3148416"/>
-              <a:ext cx="1594797" cy="342077"/>
+              <a:off x="4377357" y="3177024"/>
+              <a:ext cx="1564032" cy="313469"/>
             </a:xfrm>
             <a:prstGeom prst="line">
               <a:avLst/>
@@ -42607,7 +42659,7 @@
           <a:p>
             <a:r>
               <a:rPr lang="en-US" sz="800" dirty="0"/>
-              <a:t>Press done for</a:t>
+              <a:t>Press cook for</a:t>
             </a:r>
           </a:p>
           <a:p>
@@ -48580,6 +48632,43 @@
           </a:p>
         </p:txBody>
       </p:sp>
+      <p:sp>
+        <p:nvSpPr>
+          <p:cNvPr id="385" name="TextBox 384">
+            <a:extLst>
+              <a:ext uri="{FF2B5EF4-FFF2-40B4-BE49-F238E27FC236}">
+                <a16:creationId xmlns:a16="http://schemas.microsoft.com/office/drawing/2014/main" id="{9D2B912D-6B6E-4EA7-85C1-0536909EAA26}"/>
+              </a:ext>
+            </a:extLst>
+          </p:cNvPr>
+          <p:cNvSpPr txBox="1"/>
+          <p:nvPr/>
+        </p:nvSpPr>
+        <p:spPr>
+          <a:xfrm>
+            <a:off x="3956335" y="3190800"/>
+            <a:ext cx="564055" cy="246221"/>
+          </a:xfrm>
+          <a:prstGeom prst="rect">
+            <a:avLst/>
+          </a:prstGeom>
+          <a:noFill/>
+        </p:spPr>
+        <p:txBody>
+          <a:bodyPr wrap="square" rtlCol="0">
+            <a:spAutoFit/>
+          </a:bodyPr>
+          <a:lstStyle/>
+          <a:p>
+            <a:r>
+              <a:rPr lang="en-US" sz="1000" dirty="0">
+                <a:latin typeface="Comic Sans MS" panose="030F0702030302020204" pitchFamily="66" charset="0"/>
+              </a:rPr>
+              <a:t>cook</a:t>
+            </a:r>
+          </a:p>
+        </p:txBody>
+      </p:sp>
     </p:spTree>
     <p:extLst>
       <p:ext uri="{BB962C8B-B14F-4D97-AF65-F5344CB8AC3E}">
